--- a/ppt/engrxiv/eng.pptx
+++ b/ppt/engrxiv/eng.pptx
@@ -197,7 +197,7 @@
           <a:p>
             <a:fld id="{FA10BEC8-5B5E-C04B-8638-20B5D8E5433D}" type="datetimeFigureOut">
               <a:rPr lang="en-US" smtClean="0"/>
-              <a:t>1/31/18</a:t>
+              <a:t>2/1/18</a:t>
             </a:fld>
             <a:endParaRPr lang="en-US"/>
           </a:p>
@@ -595,7 +595,7 @@
           <a:p>
             <a:fld id="{EE6319E6-15A9-D840-8E10-6CD0FD8B04C2}" type="datetimeFigureOut">
               <a:rPr lang="en-US" smtClean="0"/>
-              <a:t>1/31/18</a:t>
+              <a:t>2/1/18</a:t>
             </a:fld>
             <a:endParaRPr lang="en-US"/>
           </a:p>
@@ -760,7 +760,7 @@
           <a:p>
             <a:fld id="{EE6319E6-15A9-D840-8E10-6CD0FD8B04C2}" type="datetimeFigureOut">
               <a:rPr lang="en-US" smtClean="0"/>
-              <a:t>1/31/18</a:t>
+              <a:t>2/1/18</a:t>
             </a:fld>
             <a:endParaRPr lang="en-US"/>
           </a:p>
@@ -935,7 +935,7 @@
           <a:p>
             <a:fld id="{EE6319E6-15A9-D840-8E10-6CD0FD8B04C2}" type="datetimeFigureOut">
               <a:rPr lang="en-US" smtClean="0"/>
-              <a:t>1/31/18</a:t>
+              <a:t>2/1/18</a:t>
             </a:fld>
             <a:endParaRPr lang="en-US"/>
           </a:p>
@@ -1100,7 +1100,7 @@
           <a:p>
             <a:fld id="{EE6319E6-15A9-D840-8E10-6CD0FD8B04C2}" type="datetimeFigureOut">
               <a:rPr lang="en-US" smtClean="0"/>
-              <a:t>1/31/18</a:t>
+              <a:t>2/1/18</a:t>
             </a:fld>
             <a:endParaRPr lang="en-US"/>
           </a:p>
@@ -1341,7 +1341,7 @@
           <a:p>
             <a:fld id="{EE6319E6-15A9-D840-8E10-6CD0FD8B04C2}" type="datetimeFigureOut">
               <a:rPr lang="en-US" smtClean="0"/>
-              <a:t>1/31/18</a:t>
+              <a:t>2/1/18</a:t>
             </a:fld>
             <a:endParaRPr lang="en-US"/>
           </a:p>
@@ -1568,7 +1568,7 @@
           <a:p>
             <a:fld id="{EE6319E6-15A9-D840-8E10-6CD0FD8B04C2}" type="datetimeFigureOut">
               <a:rPr lang="en-US" smtClean="0"/>
-              <a:t>1/31/18</a:t>
+              <a:t>2/1/18</a:t>
             </a:fld>
             <a:endParaRPr lang="en-US"/>
           </a:p>
@@ -1930,7 +1930,7 @@
           <a:p>
             <a:fld id="{EE6319E6-15A9-D840-8E10-6CD0FD8B04C2}" type="datetimeFigureOut">
               <a:rPr lang="en-US" smtClean="0"/>
-              <a:t>1/31/18</a:t>
+              <a:t>2/1/18</a:t>
             </a:fld>
             <a:endParaRPr lang="en-US"/>
           </a:p>
@@ -2043,7 +2043,7 @@
           <a:p>
             <a:fld id="{EE6319E6-15A9-D840-8E10-6CD0FD8B04C2}" type="datetimeFigureOut">
               <a:rPr lang="en-US" smtClean="0"/>
-              <a:t>1/31/18</a:t>
+              <a:t>2/1/18</a:t>
             </a:fld>
             <a:endParaRPr lang="en-US"/>
           </a:p>
@@ -2133,7 +2133,7 @@
           <a:p>
             <a:fld id="{EE6319E6-15A9-D840-8E10-6CD0FD8B04C2}" type="datetimeFigureOut">
               <a:rPr lang="en-US" smtClean="0"/>
-              <a:t>1/31/18</a:t>
+              <a:t>2/1/18</a:t>
             </a:fld>
             <a:endParaRPr lang="en-US"/>
           </a:p>
@@ -2405,7 +2405,7 @@
           <a:p>
             <a:fld id="{EE6319E6-15A9-D840-8E10-6CD0FD8B04C2}" type="datetimeFigureOut">
               <a:rPr lang="en-US" smtClean="0"/>
-              <a:t>1/31/18</a:t>
+              <a:t>2/1/18</a:t>
             </a:fld>
             <a:endParaRPr lang="en-US"/>
           </a:p>
@@ -2657,7 +2657,7 @@
           <a:p>
             <a:fld id="{EE6319E6-15A9-D840-8E10-6CD0FD8B04C2}" type="datetimeFigureOut">
               <a:rPr lang="en-US" smtClean="0"/>
-              <a:t>1/31/18</a:t>
+              <a:t>2/1/18</a:t>
             </a:fld>
             <a:endParaRPr lang="en-US"/>
           </a:p>
@@ -2865,7 +2865,7 @@
           <a:p>
             <a:fld id="{EE6319E6-15A9-D840-8E10-6CD0FD8B04C2}" type="datetimeFigureOut">
               <a:rPr lang="en-US" smtClean="0"/>
-              <a:t>1/31/18</a:t>
+              <a:t>2/1/18</a:t>
             </a:fld>
             <a:endParaRPr lang="en-US"/>
           </a:p>
@@ -3316,10 +3316,7 @@
             <a:pPr algn="ctr"/>
             <a:endParaRPr lang="en-US">
               <a:solidFill>
-                <a:schemeClr val="tx1">
-                  <a:lumMod val="75000"/>
-                  <a:lumOff val="25000"/>
-                </a:schemeClr>
+                <a:srgbClr val="404040"/>
               </a:solidFill>
             </a:endParaRPr>
           </a:p>
